--- a/03-HTML5/03-HTML5.pptx
+++ b/03-HTML5/03-HTML5.pptx
@@ -242,7 +242,7 @@
           <a:p>
             <a:fld id="{2E054F57-E93D-4CC3-8A27-2F256E70BB98}" type="datetimeFigureOut">
               <a:rPr lang="en-US" smtClean="0"/>
-              <a:t>6/5/2016</a:t>
+              <a:t>6/7/2016</a:t>
             </a:fld>
             <a:endParaRPr lang="en-US"/>
           </a:p>
@@ -691,7 +691,7 @@
           <a:p>
             <a:fld id="{3EA744D9-3FBE-48D8-BF2A-85DF203E4D20}" type="datetimeFigureOut">
               <a:rPr lang="bg-BG" smtClean="0"/>
-              <a:t>5.6.2016 г.</a:t>
+              <a:t>7.6.2016 г.</a:t>
             </a:fld>
             <a:endParaRPr lang="bg-BG"/>
           </a:p>
@@ -861,7 +861,7 @@
           <a:p>
             <a:fld id="{3EA744D9-3FBE-48D8-BF2A-85DF203E4D20}" type="datetimeFigureOut">
               <a:rPr lang="bg-BG" smtClean="0"/>
-              <a:t>5.6.2016 г.</a:t>
+              <a:t>7.6.2016 г.</a:t>
             </a:fld>
             <a:endParaRPr lang="bg-BG"/>
           </a:p>
@@ -1041,7 +1041,7 @@
           <a:p>
             <a:fld id="{3EA744D9-3FBE-48D8-BF2A-85DF203E4D20}" type="datetimeFigureOut">
               <a:rPr lang="bg-BG" smtClean="0"/>
-              <a:t>5.6.2016 г.</a:t>
+              <a:t>7.6.2016 г.</a:t>
             </a:fld>
             <a:endParaRPr lang="bg-BG"/>
           </a:p>
@@ -1211,7 +1211,7 @@
           <a:p>
             <a:fld id="{3EA744D9-3FBE-48D8-BF2A-85DF203E4D20}" type="datetimeFigureOut">
               <a:rPr lang="bg-BG" smtClean="0"/>
-              <a:t>5.6.2016 г.</a:t>
+              <a:t>7.6.2016 г.</a:t>
             </a:fld>
             <a:endParaRPr lang="bg-BG"/>
           </a:p>
@@ -1457,7 +1457,7 @@
           <a:p>
             <a:fld id="{3EA744D9-3FBE-48D8-BF2A-85DF203E4D20}" type="datetimeFigureOut">
               <a:rPr lang="bg-BG" smtClean="0"/>
-              <a:t>5.6.2016 г.</a:t>
+              <a:t>7.6.2016 г.</a:t>
             </a:fld>
             <a:endParaRPr lang="bg-BG"/>
           </a:p>
@@ -1745,7 +1745,7 @@
           <a:p>
             <a:fld id="{3EA744D9-3FBE-48D8-BF2A-85DF203E4D20}" type="datetimeFigureOut">
               <a:rPr lang="bg-BG" smtClean="0"/>
-              <a:t>5.6.2016 г.</a:t>
+              <a:t>7.6.2016 г.</a:t>
             </a:fld>
             <a:endParaRPr lang="bg-BG"/>
           </a:p>
@@ -2167,7 +2167,7 @@
           <a:p>
             <a:fld id="{3EA744D9-3FBE-48D8-BF2A-85DF203E4D20}" type="datetimeFigureOut">
               <a:rPr lang="bg-BG" smtClean="0"/>
-              <a:t>5.6.2016 г.</a:t>
+              <a:t>7.6.2016 г.</a:t>
             </a:fld>
             <a:endParaRPr lang="bg-BG"/>
           </a:p>
@@ -2285,7 +2285,7 @@
           <a:p>
             <a:fld id="{3EA744D9-3FBE-48D8-BF2A-85DF203E4D20}" type="datetimeFigureOut">
               <a:rPr lang="bg-BG" smtClean="0"/>
-              <a:t>5.6.2016 г.</a:t>
+              <a:t>7.6.2016 г.</a:t>
             </a:fld>
             <a:endParaRPr lang="bg-BG"/>
           </a:p>
@@ -2380,7 +2380,7 @@
           <a:p>
             <a:fld id="{3EA744D9-3FBE-48D8-BF2A-85DF203E4D20}" type="datetimeFigureOut">
               <a:rPr lang="bg-BG" smtClean="0"/>
-              <a:t>5.6.2016 г.</a:t>
+              <a:t>7.6.2016 г.</a:t>
             </a:fld>
             <a:endParaRPr lang="bg-BG"/>
           </a:p>
@@ -2657,7 +2657,7 @@
           <a:p>
             <a:fld id="{3EA744D9-3FBE-48D8-BF2A-85DF203E4D20}" type="datetimeFigureOut">
               <a:rPr lang="bg-BG" smtClean="0"/>
-              <a:t>5.6.2016 г.</a:t>
+              <a:t>7.6.2016 г.</a:t>
             </a:fld>
             <a:endParaRPr lang="bg-BG"/>
           </a:p>
@@ -2910,7 +2910,7 @@
           <a:p>
             <a:fld id="{3EA744D9-3FBE-48D8-BF2A-85DF203E4D20}" type="datetimeFigureOut">
               <a:rPr lang="bg-BG" smtClean="0"/>
-              <a:t>5.6.2016 г.</a:t>
+              <a:t>7.6.2016 г.</a:t>
             </a:fld>
             <a:endParaRPr lang="bg-BG"/>
           </a:p>
@@ -3132,7 +3132,7 @@
           <a:p>
             <a:fld id="{3EA744D9-3FBE-48D8-BF2A-85DF203E4D20}" type="datetimeFigureOut">
               <a:rPr lang="bg-BG" smtClean="0"/>
-              <a:t>5.6.2016 г.</a:t>
+              <a:t>7.6.2016 г.</a:t>
             </a:fld>
             <a:endParaRPr lang="bg-BG"/>
           </a:p>
@@ -3800,7 +3800,7 @@
         </p:nvSpPr>
         <p:spPr>
           <a:xfrm>
-            <a:off x="963232" y="4343400"/>
+            <a:off x="1143000" y="4343400"/>
             <a:ext cx="7239000" cy="1752600"/>
           </a:xfrm>
           <a:prstGeom prst="roundRect">
@@ -5666,25 +5666,33 @@
           <a:lstStyle/>
           <a:p>
             <a:r>
-              <a:rPr lang="en-US"/>
+              <a:rPr lang="en-US" dirty="0"/>
               <a:t>&lt;form action="demo_form.asp"&gt;</a:t>
             </a:r>
           </a:p>
           <a:p>
             <a:r>
-              <a:rPr lang="en-US"/>
-              <a:t>  Select images: &lt;input type="file" name="img" multiple&gt;</a:t>
-            </a:r>
-          </a:p>
-          <a:p>
-            <a:r>
-              <a:rPr lang="en-US"/>
+              <a:rPr lang="en-US" dirty="0"/>
+              <a:t>  Select images: &lt;input type="file" name="</a:t>
+            </a:r>
+            <a:r>
+              <a:rPr lang="en-US" dirty="0" err="1"/>
+              <a:t>img</a:t>
+            </a:r>
+            <a:r>
+              <a:rPr lang="en-US" dirty="0"/>
+              <a:t>" multiple&gt;</a:t>
+            </a:r>
+          </a:p>
+          <a:p>
+            <a:r>
+              <a:rPr lang="en-US" dirty="0"/>
               <a:t>  &lt;input type="submit"&gt;</a:t>
             </a:r>
           </a:p>
           <a:p>
             <a:r>
-              <a:rPr lang="en-US"/>
+              <a:rPr lang="en-US" dirty="0"/>
               <a:t>&lt;/form&gt;</a:t>
             </a:r>
           </a:p>
@@ -6736,7 +6744,27 @@
                 <a:latin typeface="Courier New" panose="02070309020205020404" pitchFamily="49" charset="0"/>
                 <a:cs typeface="Courier New" panose="02070309020205020404" pitchFamily="49" charset="0"/>
               </a:rPr>
-              <a:t>input type=“checkbox” checked&gt;</a:t>
+              <a:t>input type=“checkbox</a:t>
+            </a:r>
+            <a:r>
+              <a:rPr lang="en-US" sz="1600" smtClean="0">
+                <a:solidFill>
+                  <a:schemeClr val="bg1"/>
+                </a:solidFill>
+                <a:latin typeface="Courier New" panose="02070309020205020404" pitchFamily="49" charset="0"/>
+                <a:cs typeface="Courier New" panose="02070309020205020404" pitchFamily="49" charset="0"/>
+              </a:rPr>
+              <a:t>” </a:t>
+            </a:r>
+            <a:r>
+              <a:rPr lang="en-US" sz="1600" smtClean="0">
+                <a:solidFill>
+                  <a:schemeClr val="bg1"/>
+                </a:solidFill>
+                <a:latin typeface="Courier New" panose="02070309020205020404" pitchFamily="49" charset="0"/>
+                <a:cs typeface="Courier New" panose="02070309020205020404" pitchFamily="49" charset="0"/>
+              </a:rPr>
+              <a:t>checked&gt;</a:t>
             </a:r>
             <a:endParaRPr lang="bg-BG" sz="1600" dirty="0">
               <a:solidFill>
@@ -11136,25 +11164,8 @@
                   </a:schemeClr>
                 </a:solidFill>
               </a:rPr>
-              <a:t>елементи и </a:t>
-            </a:r>
-            <a:r>
-              <a:rPr lang="bg-BG" sz="2000" dirty="0" smtClean="0">
-                <a:solidFill>
-                  <a:schemeClr val="bg1">
-                    <a:lumMod val="95000"/>
-                  </a:schemeClr>
-                </a:solidFill>
-              </a:rPr>
-              <a:t>атрибути</a:t>
-            </a:r>
-            <a:endParaRPr lang="bg-BG" sz="2000" dirty="0" smtClean="0">
-              <a:solidFill>
-                <a:schemeClr val="bg1">
-                  <a:lumMod val="95000"/>
-                </a:schemeClr>
-              </a:solidFill>
-            </a:endParaRPr>
+              <a:t>елементи и атрибути</a:t>
+            </a:r>
           </a:p>
         </p:txBody>
       </p:sp>
@@ -11265,17 +11276,7 @@
                   </a:schemeClr>
                 </a:solidFill>
               </a:rPr>
-              <a:t>3. </a:t>
-            </a:r>
-            <a:r>
-              <a:rPr lang="bg-BG" sz="2000" dirty="0" smtClean="0">
-                <a:solidFill>
-                  <a:schemeClr val="bg1">
-                    <a:lumMod val="95000"/>
-                  </a:schemeClr>
-                </a:solidFill>
-              </a:rPr>
-              <a:t>Използвайки примерите от </a:t>
+              <a:t>3. Използвайки примерите от </a:t>
             </a:r>
             <a:r>
               <a:rPr lang="en-US" sz="2000" dirty="0" smtClean="0">
@@ -11661,16 +11662,7 @@
                 </a:solidFill>
                 <a:cs typeface="Courier New" panose="02070309020205020404" pitchFamily="49" charset="0"/>
               </a:rPr>
-              <a:t>	</a:t>
-            </a:r>
-            <a:r>
-              <a:rPr lang="en-US" sz="2000" dirty="0" smtClean="0">
-                <a:solidFill>
-                  <a:schemeClr val="bg1"/>
-                </a:solidFill>
-                <a:cs typeface="Courier New" panose="02070309020205020404" pitchFamily="49" charset="0"/>
-              </a:rPr>
-              <a:t>*</a:t>
+              <a:t>	*</a:t>
             </a:r>
             <a:r>
               <a:rPr lang="bg-BG" sz="2000" dirty="0" smtClean="0">
@@ -11854,17 +11846,7 @@
                   </a:schemeClr>
                 </a:solidFill>
               </a:rPr>
-              <a:t>embed </a:t>
-            </a:r>
-            <a:r>
-              <a:rPr lang="en-US" sz="2000" dirty="0" smtClean="0">
-                <a:solidFill>
-                  <a:schemeClr val="bg1">
-                    <a:lumMod val="95000"/>
-                  </a:schemeClr>
-                </a:solidFill>
-              </a:rPr>
-              <a:t>YouTube </a:t>
+              <a:t>embed YouTube </a:t>
             </a:r>
             <a:r>
               <a:rPr lang="bg-BG" sz="2000" dirty="0" smtClean="0">
@@ -12350,15 +12332,7 @@
                   <a:schemeClr val="bg1"/>
                 </a:solidFill>
               </a:rPr>
-              <a:t> - елемент, който се отделя вляво/вдясно от съдържанието на </a:t>
-            </a:r>
-            <a:r>
-              <a:rPr lang="bg-BG" dirty="0" smtClean="0">
-                <a:solidFill>
-                  <a:schemeClr val="bg1"/>
-                </a:solidFill>
-              </a:rPr>
-              <a:t>страницата</a:t>
+              <a:t> - елемент, който се отделя вляво/вдясно от съдържанието на страницата</a:t>
             </a:r>
             <a:endParaRPr lang="en-US" dirty="0" smtClean="0">
               <a:solidFill>
@@ -12377,15 +12351,7 @@
                   <a:schemeClr val="bg1"/>
                 </a:solidFill>
               </a:rPr>
-              <a:t>&lt;details</a:t>
-            </a:r>
-            <a:r>
-              <a:rPr lang="en-US" dirty="0" smtClean="0">
-                <a:solidFill>
-                  <a:schemeClr val="bg1"/>
-                </a:solidFill>
-              </a:rPr>
-              <a:t>&gt;</a:t>
+              <a:t>&lt;details&gt;</a:t>
             </a:r>
             <a:r>
               <a:rPr lang="bg-BG" dirty="0" smtClean="0">
@@ -13396,21 +13362,8 @@
                   <a:schemeClr val="bg1"/>
                 </a:solidFill>
               </a:rPr>
-              <a:t>&lt;video</a:t>
-            </a:r>
-            <a:r>
-              <a:rPr lang="en-US" dirty="0" smtClean="0">
-                <a:solidFill>
-                  <a:schemeClr val="bg1"/>
-                </a:solidFill>
-              </a:rPr>
-              <a:t>&gt;</a:t>
-            </a:r>
-            <a:endParaRPr lang="en-US" dirty="0" smtClean="0">
-              <a:solidFill>
-                <a:schemeClr val="bg1"/>
-              </a:solidFill>
-            </a:endParaRPr>
+              <a:t>&lt;video&gt;</a:t>
+            </a:r>
           </a:p>
           <a:p>
             <a:pPr lvl="1">
@@ -13635,11 +13588,6 @@
               </a:rPr>
               <a:t>http://www.w3schools.com/html/tryit.asp?filename=tryhtml5_draganddrop</a:t>
             </a:r>
-            <a:endParaRPr lang="en-US" dirty="0">
-              <a:solidFill>
-                <a:schemeClr val="accent1"/>
-              </a:solidFill>
-            </a:endParaRPr>
           </a:p>
           <a:p>
             <a:pPr lvl="1">
@@ -13676,15 +13624,7 @@
                   <a:schemeClr val="bg1"/>
                 </a:solidFill>
               </a:rPr>
-              <a:t>– </a:t>
-            </a:r>
-            <a:r>
-              <a:rPr lang="bg-BG" dirty="0" smtClean="0">
-                <a:solidFill>
-                  <a:schemeClr val="bg1"/>
-                </a:solidFill>
-              </a:rPr>
-              <a:t>средство за запаметяване на информация в браузъра на потребителя. По-ефективно е от бисквитките и може да събира по-голямо количество информация</a:t>
+              <a:t>– средство за запаметяване на информация в браузъра на потребителя. По-ефективно е от бисквитките и може да събира по-голямо количество информация</a:t>
             </a:r>
             <a:endParaRPr lang="en-US" dirty="0">
               <a:solidFill>
@@ -13762,15 +13702,7 @@
                   <a:schemeClr val="bg1"/>
                 </a:solidFill>
               </a:rPr>
-              <a:t>– </a:t>
-            </a:r>
-            <a:r>
-              <a:rPr lang="en-US" dirty="0" smtClean="0">
-                <a:solidFill>
-                  <a:schemeClr val="bg1"/>
-                </a:solidFill>
-              </a:rPr>
-              <a:t>JavaScript</a:t>
+              <a:t>– JavaScript</a:t>
             </a:r>
             <a:r>
               <a:rPr lang="bg-BG" dirty="0" smtClean="0">
@@ -14006,11 +13938,6 @@
               </a:rPr>
               <a:t>date</a:t>
             </a:r>
-            <a:endParaRPr lang="en-US" dirty="0" smtClean="0">
-              <a:solidFill>
-                <a:schemeClr val="bg1"/>
-              </a:solidFill>
-            </a:endParaRPr>
           </a:p>
           <a:p>
             <a:pPr lvl="1">
